--- a/static/test.pptx
+++ b/static/test.pptx
@@ -5389,7 +5389,11 @@
         <p:txBody>
           <a:bodyPr/>
           <a:lstStyle/>
-          <a:p/>
+          <a:p>
+            <a:r>
+              <a:t>  Himachal Pradesh Wikipedia  </a:t>
+            </a:r>
+          </a:p>
         </p:txBody>
       </p:sp>
       <p:sp>
@@ -5459,7 +5463,11 @@
         <p:txBody>
           <a:bodyPr/>
           <a:lstStyle/>
-          <a:p/>
+          <a:p>
+            <a:r>
+              <a:t>  Himachal Pradesh Wikipedia  </a:t>
+            </a:r>
+          </a:p>
         </p:txBody>
       </p:sp>
       <p:sp>
@@ -5535,7 +5543,11 @@
         <p:txBody>
           <a:bodyPr/>
           <a:lstStyle/>
-          <a:p/>
+          <a:p>
+            <a:r>
+              <a:t>  Himachal Pradesh Wikipedia  </a:t>
+            </a:r>
+          </a:p>
         </p:txBody>
       </p:sp>
       <p:sp>
@@ -5611,7 +5623,11 @@
         <p:txBody>
           <a:bodyPr/>
           <a:lstStyle/>
-          <a:p/>
+          <a:p>
+            <a:r>
+              <a:t>  Himachal Pradesh Wikipedia  </a:t>
+            </a:r>
+          </a:p>
         </p:txBody>
       </p:sp>
       <p:sp>
@@ -5681,7 +5697,11 @@
         <p:txBody>
           <a:bodyPr/>
           <a:lstStyle/>
-          <a:p/>
+          <a:p>
+            <a:r>
+              <a:t>  Himachal Pradesh Wikipedia  </a:t>
+            </a:r>
+          </a:p>
         </p:txBody>
       </p:sp>
       <p:sp>
@@ -5757,7 +5777,11 @@
         <p:txBody>
           <a:bodyPr/>
           <a:lstStyle/>
-          <a:p/>
+          <a:p>
+            <a:r>
+              <a:t>  Himachal Pradesh Wikipedia  </a:t>
+            </a:r>
+          </a:p>
         </p:txBody>
       </p:sp>
       <p:sp>
@@ -5833,7 +5857,11 @@
         <p:txBody>
           <a:bodyPr/>
           <a:lstStyle/>
-          <a:p/>
+          <a:p>
+            <a:r>
+              <a:t>  Himachal Pradesh Wikipedia  </a:t>
+            </a:r>
+          </a:p>
         </p:txBody>
       </p:sp>
       <p:sp>
@@ -5903,7 +5931,11 @@
         <p:txBody>
           <a:bodyPr/>
           <a:lstStyle/>
-          <a:p/>
+          <a:p>
+            <a:r>
+              <a:t>  Himachal Pradesh Wikipedia  </a:t>
+            </a:r>
+          </a:p>
         </p:txBody>
       </p:sp>
       <p:sp>
@@ -5973,7 +6005,11 @@
         <p:txBody>
           <a:bodyPr/>
           <a:lstStyle/>
-          <a:p/>
+          <a:p>
+            <a:r>
+              <a:t>  Himachal Pradesh Wikipedia  </a:t>
+            </a:r>
+          </a:p>
         </p:txBody>
       </p:sp>
       <p:sp>
@@ -6049,7 +6085,11 @@
         <p:txBody>
           <a:bodyPr/>
           <a:lstStyle/>
-          <a:p/>
+          <a:p>
+            <a:r>
+              <a:t>  Himachal Pradesh Wikipedia  </a:t>
+            </a:r>
+          </a:p>
         </p:txBody>
       </p:sp>
       <p:sp>
@@ -6119,7 +6159,11 @@
         <p:txBody>
           <a:bodyPr/>
           <a:lstStyle/>
-          <a:p/>
+          <a:p>
+            <a:r>
+              <a:t>  Himachal Pradesh Wikipedia  </a:t>
+            </a:r>
+          </a:p>
         </p:txBody>
       </p:sp>
       <p:sp>
@@ -6195,7 +6239,11 @@
         <p:txBody>
           <a:bodyPr/>
           <a:lstStyle/>
-          <a:p/>
+          <a:p>
+            <a:r>
+              <a:t>  Himachal Pradesh Wikipedia  </a:t>
+            </a:r>
+          </a:p>
         </p:txBody>
       </p:sp>
       <p:sp>
@@ -6271,7 +6319,11 @@
         <p:txBody>
           <a:bodyPr/>
           <a:lstStyle/>
-          <a:p/>
+          <a:p>
+            <a:r>
+              <a:t>  Himachal Pradesh Wikipedia  </a:t>
+            </a:r>
+          </a:p>
         </p:txBody>
       </p:sp>
       <p:sp>
@@ -6347,7 +6399,11 @@
         <p:txBody>
           <a:bodyPr/>
           <a:lstStyle/>
-          <a:p/>
+          <a:p>
+            <a:r>
+              <a:t>  Himachal Pradesh Wikipedia  </a:t>
+            </a:r>
+          </a:p>
         </p:txBody>
       </p:sp>
       <p:sp>
@@ -6423,7 +6479,11 @@
         <p:txBody>
           <a:bodyPr/>
           <a:lstStyle/>
-          <a:p/>
+          <a:p>
+            <a:r>
+              <a:t>  Himachal Pradesh Wikipedia  </a:t>
+            </a:r>
+          </a:p>
         </p:txBody>
       </p:sp>
       <p:sp>
@@ -6499,7 +6559,11 @@
         <p:txBody>
           <a:bodyPr/>
           <a:lstStyle/>
-          <a:p/>
+          <a:p>
+            <a:r>
+              <a:t>  Himachal Pradesh Wikipedia  </a:t>
+            </a:r>
+          </a:p>
         </p:txBody>
       </p:sp>
       <p:sp>
@@ -6569,7 +6633,11 @@
         <p:txBody>
           <a:bodyPr/>
           <a:lstStyle/>
-          <a:p/>
+          <a:p>
+            <a:r>
+              <a:t>  Himachal Pradesh Wikipedia  </a:t>
+            </a:r>
+          </a:p>
         </p:txBody>
       </p:sp>
       <p:sp>
@@ -6639,7 +6707,11 @@
         <p:txBody>
           <a:bodyPr/>
           <a:lstStyle/>
-          <a:p/>
+          <a:p>
+            <a:r>
+              <a:t>  Himachal Pradesh Wikipedia  </a:t>
+            </a:r>
+          </a:p>
         </p:txBody>
       </p:sp>
       <p:sp>
@@ -6715,7 +6787,11 @@
         <p:txBody>
           <a:bodyPr/>
           <a:lstStyle/>
-          <a:p/>
+          <a:p>
+            <a:r>
+              <a:t>  Himachal Pradesh Wikipedia  </a:t>
+            </a:r>
+          </a:p>
         </p:txBody>
       </p:sp>
       <p:sp>
@@ -6791,7 +6867,11 @@
         <p:txBody>
           <a:bodyPr/>
           <a:lstStyle/>
-          <a:p/>
+          <a:p>
+            <a:r>
+              <a:t>  Himachal Pradesh Wikipedia  </a:t>
+            </a:r>
+          </a:p>
         </p:txBody>
       </p:sp>
       <p:sp>
@@ -6867,7 +6947,11 @@
         <p:txBody>
           <a:bodyPr/>
           <a:lstStyle/>
-          <a:p/>
+          <a:p>
+            <a:r>
+              <a:t>  Himachal Pradesh Wikipedia  </a:t>
+            </a:r>
+          </a:p>
         </p:txBody>
       </p:sp>
       <p:sp>
@@ -6943,7 +7027,11 @@
         <p:txBody>
           <a:bodyPr/>
           <a:lstStyle/>
-          <a:p/>
+          <a:p>
+            <a:r>
+              <a:t>  Himachal Pradesh Wikipedia  </a:t>
+            </a:r>
+          </a:p>
         </p:txBody>
       </p:sp>
       <p:sp>
@@ -7013,7 +7101,11 @@
         <p:txBody>
           <a:bodyPr/>
           <a:lstStyle/>
-          <a:p/>
+          <a:p>
+            <a:r>
+              <a:t>  Himachal Pradesh Wikipedia  </a:t>
+            </a:r>
+          </a:p>
         </p:txBody>
       </p:sp>
       <p:sp>
@@ -7089,7 +7181,11 @@
         <p:txBody>
           <a:bodyPr/>
           <a:lstStyle/>
-          <a:p/>
+          <a:p>
+            <a:r>
+              <a:t>  Himachal Pradesh Wikipedia  </a:t>
+            </a:r>
+          </a:p>
         </p:txBody>
       </p:sp>
       <p:sp>
@@ -7159,7 +7255,11 @@
         <p:txBody>
           <a:bodyPr/>
           <a:lstStyle/>
-          <a:p/>
+          <a:p>
+            <a:r>
+              <a:t>  Himachal Pradesh Wikipedia  </a:t>
+            </a:r>
+          </a:p>
         </p:txBody>
       </p:sp>
       <p:sp>
@@ -7229,7 +7329,11 @@
         <p:txBody>
           <a:bodyPr/>
           <a:lstStyle/>
-          <a:p/>
+          <a:p>
+            <a:r>
+              <a:t>  Himachal Pradesh Wikipedia  </a:t>
+            </a:r>
+          </a:p>
         </p:txBody>
       </p:sp>
       <p:sp>
@@ -7305,7 +7409,11 @@
         <p:txBody>
           <a:bodyPr/>
           <a:lstStyle/>
-          <a:p/>
+          <a:p>
+            <a:r>
+              <a:t>  Himachal Pradesh Wikipedia  </a:t>
+            </a:r>
+          </a:p>
         </p:txBody>
       </p:sp>
       <p:sp>
@@ -7381,7 +7489,11 @@
         <p:txBody>
           <a:bodyPr/>
           <a:lstStyle/>
-          <a:p/>
+          <a:p>
+            <a:r>
+              <a:t>  Himachal Pradesh Wikipedia  </a:t>
+            </a:r>
+          </a:p>
         </p:txBody>
       </p:sp>
       <p:sp>
@@ -7457,7 +7569,11 @@
         <p:txBody>
           <a:bodyPr/>
           <a:lstStyle/>
-          <a:p/>
+          <a:p>
+            <a:r>
+              <a:t>  Himachal Pradesh Wikipedia  </a:t>
+            </a:r>
+          </a:p>
         </p:txBody>
       </p:sp>
       <p:sp>
@@ -7527,7 +7643,11 @@
         <p:txBody>
           <a:bodyPr/>
           <a:lstStyle/>
-          <a:p/>
+          <a:p>
+            <a:r>
+              <a:t>  Himachal Pradesh Wikipedia  </a:t>
+            </a:r>
+          </a:p>
         </p:txBody>
       </p:sp>
       <p:sp>
@@ -7603,7 +7723,11 @@
         <p:txBody>
           <a:bodyPr/>
           <a:lstStyle/>
-          <a:p/>
+          <a:p>
+            <a:r>
+              <a:t>  Himachal Pradesh Wikipedia  </a:t>
+            </a:r>
+          </a:p>
         </p:txBody>
       </p:sp>
       <p:sp>
@@ -7679,7 +7803,11 @@
         <p:txBody>
           <a:bodyPr/>
           <a:lstStyle/>
-          <a:p/>
+          <a:p>
+            <a:r>
+              <a:t>  Himachal Pradesh Wikipedia  </a:t>
+            </a:r>
+          </a:p>
         </p:txBody>
       </p:sp>
       <p:sp>
@@ -7755,7 +7883,11 @@
         <p:txBody>
           <a:bodyPr/>
           <a:lstStyle/>
-          <a:p/>
+          <a:p>
+            <a:r>
+              <a:t>  Himachal Pradesh Wikipedia  </a:t>
+            </a:r>
+          </a:p>
         </p:txBody>
       </p:sp>
       <p:sp>
@@ -7831,7 +7963,11 @@
         <p:txBody>
           <a:bodyPr/>
           <a:lstStyle/>
-          <a:p/>
+          <a:p>
+            <a:r>
+              <a:t>  Himachal Pradesh Wikipedia  </a:t>
+            </a:r>
+          </a:p>
         </p:txBody>
       </p:sp>
       <p:sp>
@@ -7907,7 +8043,11 @@
         <p:txBody>
           <a:bodyPr/>
           <a:lstStyle/>
-          <a:p/>
+          <a:p>
+            <a:r>
+              <a:t>  Himachal Pradesh Wikipedia  </a:t>
+            </a:r>
+          </a:p>
         </p:txBody>
       </p:sp>
       <p:sp>
@@ -7983,7 +8123,11 @@
         <p:txBody>
           <a:bodyPr/>
           <a:lstStyle/>
-          <a:p/>
+          <a:p>
+            <a:r>
+              <a:t>  Himachal Pradesh Wikipedia  </a:t>
+            </a:r>
+          </a:p>
         </p:txBody>
       </p:sp>
       <p:sp>
@@ -8059,7 +8203,11 @@
         <p:txBody>
           <a:bodyPr/>
           <a:lstStyle/>
-          <a:p/>
+          <a:p>
+            <a:r>
+              <a:t>  Himachal Pradesh Wikipedia  </a:t>
+            </a:r>
+          </a:p>
         </p:txBody>
       </p:sp>
       <p:sp>
@@ -8135,7 +8283,11 @@
         <p:txBody>
           <a:bodyPr/>
           <a:lstStyle/>
-          <a:p/>
+          <a:p>
+            <a:r>
+              <a:t>  Himachal Pradesh Wikipedia  </a:t>
+            </a:r>
+          </a:p>
         </p:txBody>
       </p:sp>
       <p:sp>
